--- a/Later/Java Access Modifiers - Member Level-Method/Java Access Modifiers - Member Level-Method.pptx
+++ b/Later/Java Access Modifiers - Member Level-Method/Java Access Modifiers - Member Level-Method.pptx
@@ -4528,7 +4528,7 @@
         <p:spPr>
           <a:xfrm>
             <a:off x="882649" y="486733"/>
-            <a:ext cx="7508787" cy="261610"/>
+            <a:ext cx="6883616" cy="261610"/>
           </a:xfrm>
           <a:prstGeom prst="rect">
             <a:avLst/>
@@ -4560,7 +4560,11 @@
             </a:r>
             <a:r>
               <a:rPr lang="en-US" sz="1100" dirty="0" smtClean="0"/>
-              <a:t>level (Field/method/constructor)—</a:t>
+              <a:t>level (</a:t>
+            </a:r>
+            <a:r>
+              <a:rPr lang="en-US" sz="1100" dirty="0" smtClean="0"/>
+              <a:t>Field/method)—</a:t>
             </a:r>
             <a:r>
               <a:rPr lang="en-US" sz="1100" dirty="0"/>
@@ -4651,15 +4655,7 @@
                   <a:srgbClr val="002060"/>
                 </a:solidFill>
               </a:rPr>
-              <a:t>private </a:t>
-            </a:r>
-            <a:r>
-              <a:rPr lang="en-US" sz="1200" b="1" dirty="0" smtClean="0">
-                <a:solidFill>
-                  <a:srgbClr val="002060"/>
-                </a:solidFill>
-              </a:rPr>
-              <a:t>void </a:t>
+              <a:t>private void </a:t>
             </a:r>
             <a:r>
               <a:rPr lang="en-US" sz="1200" b="1" dirty="0">
@@ -5493,11 +5489,7 @@
           <a:p>
             <a:r>
               <a:rPr lang="en-US" sz="1000" dirty="0" smtClean="0"/>
-              <a:t>public </a:t>
-            </a:r>
-            <a:r>
-              <a:rPr lang="en-US" sz="1000" dirty="0" smtClean="0"/>
-              <a:t>class StudentMyPack1Test</a:t>
+              <a:t>public class StudentMyPack1Test</a:t>
             </a:r>
             <a:endParaRPr lang="en-US" sz="1000" dirty="0"/>
           </a:p>
@@ -5754,13 +5746,8 @@
             </a:r>
             <a:r>
               <a:rPr lang="en-US" sz="1200" dirty="0" smtClean="0"/>
-              <a:t> access the Student class </a:t>
-            </a:r>
-            <a:r>
-              <a:rPr lang="en-US" sz="1200" dirty="0" smtClean="0"/>
-              <a:t>display() method.</a:t>
-            </a:r>
-            <a:endParaRPr lang="en-US" sz="1200" dirty="0" smtClean="0"/>
+              <a:t> access the Student class display() method.</a:t>
+            </a:r>
           </a:p>
           <a:p>
             <a:pPr marL="171450" indent="-171450">
@@ -5785,11 +5772,7 @@
             </a:r>
             <a:r>
               <a:rPr lang="en-US" sz="1200" dirty="0"/>
-              <a:t> access the Student class </a:t>
-            </a:r>
-            <a:r>
-              <a:rPr lang="en-US" sz="1200" dirty="0"/>
-              <a:t>display() method.</a:t>
+              <a:t> access the Student class display() method.</a:t>
             </a:r>
             <a:endParaRPr lang="en-US" sz="1200" dirty="0" smtClean="0"/>
           </a:p>
@@ -5820,13 +5803,8 @@
             </a:r>
             <a:r>
               <a:rPr lang="en-US" sz="1200" dirty="0"/>
-              <a:t>access the Student class </a:t>
-            </a:r>
-            <a:r>
-              <a:rPr lang="en-US" sz="1200" dirty="0"/>
-              <a:t>display() method.</a:t>
-            </a:r>
-            <a:endParaRPr lang="en-US" sz="1200" dirty="0"/>
+              <a:t>access the Student class display() method.</a:t>
+            </a:r>
           </a:p>
           <a:p>
             <a:pPr marL="171450" indent="-171450">
@@ -5940,8 +5918,8 @@
         </p:nvSpPr>
         <p:spPr>
           <a:xfrm>
-            <a:off x="1254525" y="475865"/>
-            <a:ext cx="6993087" cy="461665"/>
+            <a:off x="612775" y="475865"/>
+            <a:ext cx="7997825" cy="461665"/>
           </a:xfrm>
           <a:prstGeom prst="rect">
             <a:avLst/>
@@ -5973,7 +5951,11 @@
             </a:r>
             <a:r>
               <a:rPr lang="en-US" sz="1200" dirty="0" smtClean="0"/>
-              <a:t>member(field/method/Constructor) may </a:t>
+              <a:t>member(field/method) </a:t>
+            </a:r>
+            <a:r>
+              <a:rPr lang="en-US" sz="1200" dirty="0" smtClean="0"/>
+              <a:t>may </a:t>
             </a:r>
             <a:r>
               <a:rPr lang="en-US" sz="1200" dirty="0"/>
@@ -5985,11 +5967,7 @@
             </a:r>
             <a:r>
               <a:rPr lang="en-US" sz="1200" dirty="0"/>
-              <a:t>, in which case that </a:t>
-            </a:r>
-            <a:r>
-              <a:rPr lang="en-US" sz="1200" dirty="0"/>
-              <a:t>member(field/method/Constructor) </a:t>
+              <a:t>, in which case that member(field/method/Constructor) </a:t>
             </a:r>
             <a:r>
               <a:rPr lang="en-US" sz="1200" dirty="0" smtClean="0"/>
@@ -6466,11 +6444,7 @@
           <a:p>
             <a:r>
               <a:rPr lang="en-US" sz="1000" dirty="0" smtClean="0"/>
-              <a:t>public </a:t>
-            </a:r>
-            <a:r>
-              <a:rPr lang="en-US" sz="1000" dirty="0" smtClean="0"/>
-              <a:t>class StudentMyPack1Test</a:t>
+              <a:t>public class StudentMyPack1Test</a:t>
             </a:r>
             <a:endParaRPr lang="en-US" sz="1000" dirty="0"/>
           </a:p>
@@ -6727,13 +6701,8 @@
             </a:r>
             <a:r>
               <a:rPr lang="en-US" sz="1200" dirty="0" smtClean="0"/>
-              <a:t> access the Student class </a:t>
-            </a:r>
-            <a:r>
-              <a:rPr lang="en-US" sz="1200" dirty="0" smtClean="0"/>
-              <a:t>display() method.</a:t>
-            </a:r>
-            <a:endParaRPr lang="en-US" sz="1200" dirty="0" smtClean="0"/>
+              <a:t> access the Student class display() method.</a:t>
+            </a:r>
           </a:p>
           <a:p>
             <a:pPr marL="171450" indent="-171450">
@@ -6762,11 +6731,7 @@
             </a:r>
             <a:r>
               <a:rPr lang="en-US" sz="1200" dirty="0"/>
-              <a:t>access the Student class </a:t>
-            </a:r>
-            <a:r>
-              <a:rPr lang="en-US" sz="1200" dirty="0"/>
-              <a:t>display() method.</a:t>
+              <a:t>access the Student class display() method.</a:t>
             </a:r>
             <a:endParaRPr lang="en-US" sz="1200" dirty="0" smtClean="0"/>
           </a:p>
@@ -6797,13 +6762,8 @@
             </a:r>
             <a:r>
               <a:rPr lang="en-US" sz="1200" dirty="0"/>
-              <a:t>access the Student class </a:t>
-            </a:r>
-            <a:r>
-              <a:rPr lang="en-US" sz="1200" dirty="0"/>
-              <a:t>display() method.</a:t>
-            </a:r>
-            <a:endParaRPr lang="en-US" sz="1200" dirty="0"/>
+              <a:t>access the Student class display() method.</a:t>
+            </a:r>
           </a:p>
           <a:p>
             <a:pPr marL="171450" indent="-171450">
@@ -6917,8 +6877,8 @@
         </p:nvSpPr>
         <p:spPr>
           <a:xfrm>
-            <a:off x="612775" y="408807"/>
-            <a:ext cx="7388225" cy="276999"/>
+            <a:off x="1143000" y="408807"/>
+            <a:ext cx="6858000" cy="276999"/>
           </a:xfrm>
           <a:prstGeom prst="rect">
             <a:avLst/>
@@ -6959,7 +6919,7 @@
             </a:r>
             <a:r>
               <a:rPr lang="en-US" sz="1200" dirty="0" smtClean="0"/>
-              <a:t>member(field/method/Constructor) </a:t>
+              <a:t>member(field/method) </a:t>
             </a:r>
             <a:r>
               <a:rPr lang="en-US" sz="1200" dirty="0"/>
@@ -7427,11 +7387,7 @@
           <a:p>
             <a:r>
               <a:rPr lang="en-US" sz="1000" dirty="0" smtClean="0"/>
-              <a:t>public </a:t>
-            </a:r>
-            <a:r>
-              <a:rPr lang="en-US" sz="1000" dirty="0" smtClean="0"/>
-              <a:t>class StudentMyPack1Test</a:t>
+              <a:t>public class StudentMyPack1Test</a:t>
             </a:r>
             <a:endParaRPr lang="en-US" sz="1000" dirty="0"/>
           </a:p>
@@ -7688,13 +7644,8 @@
             </a:r>
             <a:r>
               <a:rPr lang="en-US" sz="1200" dirty="0" smtClean="0"/>
-              <a:t> access the Student class </a:t>
-            </a:r>
-            <a:r>
-              <a:rPr lang="en-US" sz="1200" dirty="0" smtClean="0"/>
-              <a:t>display() method.</a:t>
-            </a:r>
-            <a:endParaRPr lang="en-US" sz="1200" dirty="0" smtClean="0"/>
+              <a:t> access the Student class display() method.</a:t>
+            </a:r>
           </a:p>
           <a:p>
             <a:pPr marL="171450" indent="-171450">
@@ -7723,11 +7674,7 @@
             </a:r>
             <a:r>
               <a:rPr lang="en-US" sz="1200" dirty="0"/>
-              <a:t>the Student class </a:t>
-            </a:r>
-            <a:r>
-              <a:rPr lang="en-US" sz="1200" dirty="0"/>
-              <a:t>display() method.</a:t>
+              <a:t>the Student class display() method.</a:t>
             </a:r>
             <a:endParaRPr lang="en-US" sz="1200" dirty="0" smtClean="0"/>
           </a:p>
@@ -7758,11 +7705,7 @@
             </a:r>
             <a:r>
               <a:rPr lang="en-US" sz="1200" dirty="0"/>
-              <a:t>access the Student class </a:t>
-            </a:r>
-            <a:r>
-              <a:rPr lang="en-US" sz="1200" dirty="0"/>
-              <a:t>display() </a:t>
+              <a:t>access the Student class display() </a:t>
             </a:r>
             <a:r>
               <a:rPr lang="en-US" sz="1200" dirty="0" smtClean="0"/>
@@ -7931,7 +7874,7 @@
             </a:r>
             <a:r>
               <a:rPr lang="en-US" sz="1200" dirty="0" smtClean="0"/>
-              <a:t>member(field/method/Constructor) </a:t>
+              <a:t>member(field/method) </a:t>
             </a:r>
             <a:r>
               <a:rPr lang="en-US" sz="1200" dirty="0"/>
@@ -7945,7 +7888,6 @@
               <a:rPr lang="en-US" sz="1200" dirty="0"/>
               <a:t>) and, in addition, by a subclass of its class in another package.</a:t>
             </a:r>
-            <a:endParaRPr lang="en-US" sz="1200" dirty="0"/>
           </a:p>
         </p:txBody>
       </p:sp>
@@ -8400,11 +8342,7 @@
           <a:p>
             <a:r>
               <a:rPr lang="en-US" sz="1000" dirty="0" smtClean="0"/>
-              <a:t>public </a:t>
-            </a:r>
-            <a:r>
-              <a:rPr lang="en-US" sz="1000" dirty="0" smtClean="0"/>
-              <a:t>class StudentMyPack1Test</a:t>
+              <a:t>public class StudentMyPack1Test</a:t>
             </a:r>
             <a:endParaRPr lang="en-US" sz="1000" dirty="0"/>
           </a:p>
@@ -8661,13 +8599,8 @@
             </a:r>
             <a:r>
               <a:rPr lang="en-US" sz="1200" dirty="0" smtClean="0"/>
-              <a:t> access the Student class </a:t>
-            </a:r>
-            <a:r>
-              <a:rPr lang="en-US" sz="1200" dirty="0" smtClean="0"/>
-              <a:t>display() method.</a:t>
-            </a:r>
-            <a:endParaRPr lang="en-US" sz="1200" dirty="0" smtClean="0"/>
+              <a:t> access the Student class display() method.</a:t>
+            </a:r>
           </a:p>
           <a:p>
             <a:pPr marL="171450" indent="-171450">
@@ -8696,11 +8629,7 @@
             </a:r>
             <a:r>
               <a:rPr lang="en-US" sz="1200" dirty="0"/>
-              <a:t>the Student class </a:t>
-            </a:r>
-            <a:r>
-              <a:rPr lang="en-US" sz="1200" dirty="0"/>
-              <a:t>display() method.</a:t>
+              <a:t>the Student class display() method.</a:t>
             </a:r>
             <a:endParaRPr lang="en-US" sz="1200" dirty="0" smtClean="0"/>
           </a:p>
@@ -8731,11 +8660,7 @@
             </a:r>
             <a:r>
               <a:rPr lang="en-US" sz="1200" dirty="0"/>
-              <a:t>access the Student class </a:t>
-            </a:r>
-            <a:r>
-              <a:rPr lang="en-US" sz="1200" dirty="0"/>
-              <a:t>display() </a:t>
+              <a:t>access the Student class display() </a:t>
             </a:r>
             <a:r>
               <a:rPr lang="en-US" sz="1200" dirty="0" smtClean="0"/>
@@ -8846,11 +8771,7 @@
             </a:r>
             <a:r>
               <a:rPr lang="en-US" sz="1200" b="1" dirty="0"/>
-              <a:t>)</a:t>
-            </a:r>
-            <a:r>
-              <a:rPr lang="en-US" sz="1200" b="1" dirty="0"/>
-              <a:t> </a:t>
+              <a:t>) </a:t>
             </a:r>
             <a:r>
               <a:rPr lang="en-US" sz="1200" dirty="0"/>
@@ -8904,7 +8825,11 @@
             </a:r>
             <a:r>
               <a:rPr lang="en-US" sz="1200" dirty="0" smtClean="0"/>
-              <a:t>member(field/method/Constructor) has </a:t>
+              <a:t>member(field/method) </a:t>
+            </a:r>
+            <a:r>
+              <a:rPr lang="en-US" sz="1200" dirty="0" smtClean="0"/>
+              <a:t>has </a:t>
             </a:r>
             <a:r>
               <a:rPr lang="en-US" sz="1200" b="1" dirty="0"/>
@@ -8922,7 +8847,6 @@
               <a:rPr lang="en-US" sz="1200" dirty="0"/>
               <a:t>), it is visible only within its own package</a:t>
             </a:r>
-            <a:endParaRPr lang="en-US" sz="1200" dirty="0"/>
           </a:p>
         </p:txBody>
       </p:sp>

--- a/Later/Java Access Modifiers - Member Level-Method/Java Access Modifiers - Member Level-Method.pptx
+++ b/Later/Java Access Modifiers - Member Level-Method/Java Access Modifiers - Member Level-Method.pptx
@@ -4208,7 +4208,7 @@
         <p:spPr>
           <a:xfrm>
             <a:off x="3345547" y="35738"/>
-            <a:ext cx="2369453" cy="276999"/>
+            <a:ext cx="2064653" cy="276999"/>
           </a:xfrm>
           <a:prstGeom prst="rect">
             <a:avLst/>
@@ -4237,7 +4237,11 @@
             <a:pPr algn="ctr"/>
             <a:r>
               <a:rPr lang="en-US" sz="1200" dirty="0" smtClean="0"/>
-              <a:t>Access modifiers – member level</a:t>
+              <a:t>Access modifiers – </a:t>
+            </a:r>
+            <a:r>
+              <a:rPr lang="en-US" sz="1200" dirty="0" smtClean="0"/>
+              <a:t>method</a:t>
             </a:r>
             <a:endParaRPr lang="en-US" sz="1200" dirty="0"/>
           </a:p>
@@ -4527,8 +4531,8 @@
         </p:nvSpPr>
         <p:spPr>
           <a:xfrm>
-            <a:off x="882649" y="486733"/>
-            <a:ext cx="6883616" cy="261610"/>
+            <a:off x="1414562" y="447045"/>
+            <a:ext cx="5926622" cy="261610"/>
           </a:xfrm>
           <a:prstGeom prst="rect">
             <a:avLst/>
@@ -4556,19 +4560,15 @@
           <a:p>
             <a:r>
               <a:rPr lang="en-US" sz="1100" dirty="0"/>
-              <a:t>At the member </a:t>
+              <a:t>At the </a:t>
             </a:r>
             <a:r>
               <a:rPr lang="en-US" sz="1100" dirty="0" smtClean="0"/>
-              <a:t>level (</a:t>
-            </a:r>
-            <a:r>
-              <a:rPr lang="en-US" sz="1100" dirty="0" smtClean="0"/>
-              <a:t>Field/method)—</a:t>
+              <a:t>method level —public</a:t>
             </a:r>
             <a:r>
               <a:rPr lang="en-US" sz="1100" dirty="0"/>
-              <a:t>public, private, protected, or package-private (no explicit modifier</a:t>
+              <a:t>, private, protected, or package-private (no explicit modifier</a:t>
             </a:r>
             <a:r>
               <a:rPr lang="en-US" sz="1100" dirty="0" smtClean="0"/>
@@ -5358,16 +5358,111 @@
       </p:sp>
       <p:sp>
         <p:nvSpPr>
-          <p:cNvPr id="14" name="Rectangle 13"/>
+          <p:cNvPr id="9" name="Rounded Rectangle 8"/>
           <p:cNvSpPr/>
           <p:nvPr/>
         </p:nvSpPr>
         <p:spPr>
           <a:xfrm>
-            <a:off x="3687078" y="35738"/>
-            <a:ext cx="1676400" cy="276999"/>
-          </a:xfrm>
-          <a:prstGeom prst="rect">
+            <a:off x="2067098" y="1510099"/>
+            <a:ext cx="2496280" cy="1274548"/>
+          </a:xfrm>
+          <a:prstGeom prst="roundRect">
+            <a:avLst/>
+          </a:prstGeom>
+        </p:spPr>
+        <p:style>
+          <a:lnRef idx="1">
+            <a:schemeClr val="accent2"/>
+          </a:lnRef>
+          <a:fillRef idx="3">
+            <a:schemeClr val="accent2"/>
+          </a:fillRef>
+          <a:effectRef idx="2">
+            <a:schemeClr val="accent2"/>
+          </a:effectRef>
+          <a:fontRef idx="minor">
+            <a:schemeClr val="lt1"/>
+          </a:fontRef>
+        </p:style>
+        <p:txBody>
+          <a:bodyPr rtlCol="0" anchor="ctr"/>
+          <a:lstStyle/>
+          <a:p>
+            <a:r>
+              <a:rPr lang="en-US" sz="1000" dirty="0"/>
+              <a:t>p</a:t>
+            </a:r>
+            <a:r>
+              <a:rPr lang="en-US" sz="1000" dirty="0" smtClean="0"/>
+              <a:t>ublic class Student</a:t>
+            </a:r>
+          </a:p>
+          <a:p>
+            <a:r>
+              <a:rPr lang="en-US" sz="1000" dirty="0" smtClean="0"/>
+              <a:t>{</a:t>
+            </a:r>
+          </a:p>
+          <a:p>
+            <a:r>
+              <a:rPr lang="en-US" sz="1000" dirty="0" smtClean="0"/>
+              <a:t>   </a:t>
+            </a:r>
+            <a:r>
+              <a:rPr lang="en-US" sz="1000" b="1" dirty="0"/>
+              <a:t> public void display()</a:t>
+            </a:r>
+          </a:p>
+          <a:p>
+            <a:r>
+              <a:rPr lang="en-US" sz="1000" b="1" dirty="0"/>
+              <a:t>    {</a:t>
+            </a:r>
+          </a:p>
+          <a:p>
+            <a:r>
+              <a:rPr lang="en-US" sz="1000" b="1" dirty="0"/>
+              <a:t>       System.out.println("hello");</a:t>
+            </a:r>
+          </a:p>
+          <a:p>
+            <a:r>
+              <a:rPr lang="en-US" sz="1000" b="1" dirty="0"/>
+              <a:t>    </a:t>
+            </a:r>
+            <a:r>
+              <a:rPr lang="en-US" sz="1000" b="1" dirty="0" smtClean="0"/>
+              <a:t>}</a:t>
+            </a:r>
+          </a:p>
+          <a:p>
+            <a:r>
+              <a:rPr lang="en-US" sz="1000" dirty="0" smtClean="0"/>
+              <a:t>}</a:t>
+            </a:r>
+          </a:p>
+          <a:p>
+            <a:r>
+              <a:rPr lang="en-US" sz="1000" dirty="0" smtClean="0"/>
+              <a:t>public class StudentMyPack1Test</a:t>
+            </a:r>
+            <a:endParaRPr lang="en-US" sz="1000" dirty="0"/>
+          </a:p>
+        </p:txBody>
+      </p:sp>
+      <p:sp>
+        <p:nvSpPr>
+          <p:cNvPr id="17" name="Rounded Rectangle 16"/>
+          <p:cNvSpPr/>
+          <p:nvPr/>
+        </p:nvSpPr>
+        <p:spPr>
+          <a:xfrm>
+            <a:off x="5325080" y="1510099"/>
+            <a:ext cx="3133119" cy="1274548"/>
+          </a:xfrm>
+          <a:prstGeom prst="roundRect">
             <a:avLst/>
           </a:prstGeom>
         </p:spPr>
@@ -5386,15 +5481,18 @@
           </a:fontRef>
         </p:style>
         <p:txBody>
-          <a:bodyPr wrap="square">
-            <a:spAutoFit/>
-          </a:bodyPr>
-          <a:lstStyle/>
-          <a:p>
-            <a:pPr algn="ctr"/>
+          <a:bodyPr rtlCol="0" anchor="ctr"/>
+          <a:lstStyle/>
+          <a:p>
             <a:r>
               <a:rPr lang="en-US" sz="1200" dirty="0" smtClean="0"/>
-              <a:t>Access modifiers - class</a:t>
+              <a:t>public class PreKgStudent extends Student</a:t>
+            </a:r>
+          </a:p>
+          <a:p>
+            <a:r>
+              <a:rPr lang="en-US" sz="1200" dirty="0" smtClean="0"/>
+              <a:t>public class StudentMyPack2Test</a:t>
             </a:r>
             <a:endParaRPr lang="en-US" sz="1200" dirty="0"/>
           </a:p>
@@ -5402,16 +5500,16 @@
       </p:sp>
       <p:sp>
         <p:nvSpPr>
-          <p:cNvPr id="9" name="Rounded Rectangle 8"/>
+          <p:cNvPr id="18" name="Rectangle 17"/>
           <p:cNvSpPr/>
           <p:nvPr/>
         </p:nvSpPr>
         <p:spPr>
           <a:xfrm>
-            <a:off x="2067098" y="1510099"/>
-            <a:ext cx="2496280" cy="1274548"/>
-          </a:xfrm>
-          <a:prstGeom prst="roundRect">
+            <a:off x="2769568" y="1163596"/>
+            <a:ext cx="742832" cy="276999"/>
+          </a:xfrm>
+          <a:prstGeom prst="rect">
             <a:avLst/>
           </a:prstGeom>
         </p:spPr>
@@ -5430,83 +5528,30 @@
           </a:fontRef>
         </p:style>
         <p:txBody>
-          <a:bodyPr rtlCol="0" anchor="ctr"/>
-          <a:lstStyle/>
-          <a:p>
-            <a:r>
-              <a:rPr lang="en-US" sz="1000" dirty="0"/>
-              <a:t>p</a:t>
-            </a:r>
-            <a:r>
-              <a:rPr lang="en-US" sz="1000" dirty="0" smtClean="0"/>
-              <a:t>ublic class Student</a:t>
-            </a:r>
-          </a:p>
-          <a:p>
-            <a:r>
-              <a:rPr lang="en-US" sz="1000" dirty="0" smtClean="0"/>
-              <a:t>{</a:t>
-            </a:r>
-          </a:p>
-          <a:p>
-            <a:r>
-              <a:rPr lang="en-US" sz="1000" dirty="0" smtClean="0"/>
-              <a:t>   </a:t>
-            </a:r>
-            <a:r>
-              <a:rPr lang="en-US" sz="1000" b="1" dirty="0"/>
-              <a:t> public void display()</a:t>
-            </a:r>
-          </a:p>
-          <a:p>
-            <a:r>
-              <a:rPr lang="en-US" sz="1000" b="1" dirty="0"/>
-              <a:t>    {</a:t>
-            </a:r>
-          </a:p>
-          <a:p>
-            <a:r>
-              <a:rPr lang="en-US" sz="1000" b="1" dirty="0"/>
-              <a:t>       System.out.println("hello");</a:t>
-            </a:r>
-          </a:p>
-          <a:p>
-            <a:r>
-              <a:rPr lang="en-US" sz="1000" b="1" dirty="0"/>
-              <a:t>    </a:t>
-            </a:r>
-            <a:r>
-              <a:rPr lang="en-US" sz="1000" b="1" dirty="0" smtClean="0"/>
-              <a:t>}</a:t>
-            </a:r>
-          </a:p>
-          <a:p>
-            <a:r>
-              <a:rPr lang="en-US" sz="1000" dirty="0" smtClean="0"/>
-              <a:t>}</a:t>
-            </a:r>
-          </a:p>
-          <a:p>
-            <a:r>
-              <a:rPr lang="en-US" sz="1000" dirty="0" smtClean="0"/>
-              <a:t>public class StudentMyPack1Test</a:t>
-            </a:r>
-            <a:endParaRPr lang="en-US" sz="1000" dirty="0"/>
-          </a:p>
-        </p:txBody>
-      </p:sp>
-      <p:sp>
-        <p:nvSpPr>
-          <p:cNvPr id="17" name="Rounded Rectangle 16"/>
+          <a:bodyPr wrap="none">
+            <a:spAutoFit/>
+          </a:bodyPr>
+          <a:lstStyle/>
+          <a:p>
+            <a:r>
+              <a:rPr lang="en-US" sz="1200" dirty="0"/>
+              <a:t>mypack1</a:t>
+            </a:r>
+          </a:p>
+        </p:txBody>
+      </p:sp>
+      <p:sp>
+        <p:nvSpPr>
+          <p:cNvPr id="19" name="Rectangle 18"/>
           <p:cNvSpPr/>
           <p:nvPr/>
         </p:nvSpPr>
         <p:spPr>
           <a:xfrm>
-            <a:off x="5325080" y="1510099"/>
-            <a:ext cx="3133119" cy="1274548"/>
-          </a:xfrm>
-          <a:prstGeom prst="roundRect">
+            <a:off x="6182449" y="1163596"/>
+            <a:ext cx="742832" cy="276999"/>
+          </a:xfrm>
+          <a:prstGeom prst="rect">
             <a:avLst/>
           </a:prstGeom>
         </p:spPr>
@@ -5525,95 +5570,6 @@
           </a:fontRef>
         </p:style>
         <p:txBody>
-          <a:bodyPr rtlCol="0" anchor="ctr"/>
-          <a:lstStyle/>
-          <a:p>
-            <a:r>
-              <a:rPr lang="en-US" sz="1200" dirty="0" smtClean="0"/>
-              <a:t>public class PreKgStudent extends Student</a:t>
-            </a:r>
-          </a:p>
-          <a:p>
-            <a:r>
-              <a:rPr lang="en-US" sz="1200" dirty="0" smtClean="0"/>
-              <a:t>public class StudentMyPack2Test</a:t>
-            </a:r>
-            <a:endParaRPr lang="en-US" sz="1200" dirty="0"/>
-          </a:p>
-        </p:txBody>
-      </p:sp>
-      <p:sp>
-        <p:nvSpPr>
-          <p:cNvPr id="18" name="Rectangle 17"/>
-          <p:cNvSpPr/>
-          <p:nvPr/>
-        </p:nvSpPr>
-        <p:spPr>
-          <a:xfrm>
-            <a:off x="2769568" y="1163596"/>
-            <a:ext cx="742832" cy="276999"/>
-          </a:xfrm>
-          <a:prstGeom prst="rect">
-            <a:avLst/>
-          </a:prstGeom>
-        </p:spPr>
-        <p:style>
-          <a:lnRef idx="1">
-            <a:schemeClr val="accent2"/>
-          </a:lnRef>
-          <a:fillRef idx="3">
-            <a:schemeClr val="accent2"/>
-          </a:fillRef>
-          <a:effectRef idx="2">
-            <a:schemeClr val="accent2"/>
-          </a:effectRef>
-          <a:fontRef idx="minor">
-            <a:schemeClr val="lt1"/>
-          </a:fontRef>
-        </p:style>
-        <p:txBody>
-          <a:bodyPr wrap="none">
-            <a:spAutoFit/>
-          </a:bodyPr>
-          <a:lstStyle/>
-          <a:p>
-            <a:r>
-              <a:rPr lang="en-US" sz="1200" dirty="0"/>
-              <a:t>mypack1</a:t>
-            </a:r>
-          </a:p>
-        </p:txBody>
-      </p:sp>
-      <p:sp>
-        <p:nvSpPr>
-          <p:cNvPr id="19" name="Rectangle 18"/>
-          <p:cNvSpPr/>
-          <p:nvPr/>
-        </p:nvSpPr>
-        <p:spPr>
-          <a:xfrm>
-            <a:off x="6182449" y="1163596"/>
-            <a:ext cx="742832" cy="276999"/>
-          </a:xfrm>
-          <a:prstGeom prst="rect">
-            <a:avLst/>
-          </a:prstGeom>
-        </p:spPr>
-        <p:style>
-          <a:lnRef idx="1">
-            <a:schemeClr val="accent4"/>
-          </a:lnRef>
-          <a:fillRef idx="3">
-            <a:schemeClr val="accent4"/>
-          </a:fillRef>
-          <a:effectRef idx="2">
-            <a:schemeClr val="accent4"/>
-          </a:effectRef>
-          <a:fontRef idx="minor">
-            <a:schemeClr val="lt1"/>
-          </a:fontRef>
-        </p:style>
-        <p:txBody>
           <a:bodyPr wrap="none">
             <a:spAutoFit/>
           </a:bodyPr>
@@ -5635,8 +5591,8 @@
         </p:nvCxnSpPr>
         <p:spPr>
           <a:xfrm>
-            <a:off x="3807191" y="2424499"/>
-            <a:ext cx="943878" cy="720297"/>
+            <a:off x="3657600" y="2784647"/>
+            <a:ext cx="1093469" cy="360149"/>
           </a:xfrm>
           <a:prstGeom prst="straightConnector1">
             <a:avLst/>
@@ -5889,7 +5845,19 @@
           <a:p>
             <a:r>
               <a:rPr lang="en-US" sz="1200" dirty="0"/>
-              <a:t>At the member level, you can </a:t>
+              <a:t>At the </a:t>
+            </a:r>
+            <a:r>
+              <a:rPr lang="en-US" sz="1200" b="1" dirty="0" smtClean="0"/>
+              <a:t>method</a:t>
+            </a:r>
+            <a:r>
+              <a:rPr lang="en-US" sz="1200" dirty="0" smtClean="0"/>
+              <a:t> level</a:t>
+            </a:r>
+            <a:r>
+              <a:rPr lang="en-US" sz="1200" dirty="0"/>
+              <a:t>, you can </a:t>
             </a:r>
             <a:r>
               <a:rPr lang="en-US" sz="1200" dirty="0" smtClean="0"/>
@@ -5919,7 +5887,7 @@
         <p:spPr>
           <a:xfrm>
             <a:off x="612775" y="475865"/>
-            <a:ext cx="7997825" cy="461665"/>
+            <a:ext cx="7997825" cy="276999"/>
           </a:xfrm>
           <a:prstGeom prst="rect">
             <a:avLst/>
@@ -5950,8 +5918,12 @@
               <a:t>A </a:t>
             </a:r>
             <a:r>
+              <a:rPr lang="en-US" sz="1200" b="1" dirty="0" smtClean="0"/>
+              <a:t>method</a:t>
+            </a:r>
+            <a:r>
               <a:rPr lang="en-US" sz="1200" dirty="0" smtClean="0"/>
-              <a:t>member(field/method) </a:t>
+              <a:t> </a:t>
             </a:r>
             <a:r>
               <a:rPr lang="en-US" sz="1200" dirty="0" smtClean="0"/>
@@ -5967,7 +5939,15 @@
             </a:r>
             <a:r>
               <a:rPr lang="en-US" sz="1200" dirty="0"/>
-              <a:t>, in which case that member(field/method/Constructor) </a:t>
+              <a:t>, in which case that </a:t>
+            </a:r>
+            <a:r>
+              <a:rPr lang="en-US" sz="1200" b="1" dirty="0" smtClean="0"/>
+              <a:t>method</a:t>
+            </a:r>
+            <a:r>
+              <a:rPr lang="en-US" sz="1200" dirty="0" smtClean="0"/>
+              <a:t> </a:t>
             </a:r>
             <a:r>
               <a:rPr lang="en-US" sz="1200" dirty="0" smtClean="0"/>
@@ -5980,6 +5960,54 @@
             <a:r>
               <a:rPr lang="en-US" sz="1200" dirty="0" smtClean="0"/>
               <a:t>everywhere.</a:t>
+            </a:r>
+            <a:endParaRPr lang="en-US" sz="1200" dirty="0"/>
+          </a:p>
+        </p:txBody>
+      </p:sp>
+      <p:sp>
+        <p:nvSpPr>
+          <p:cNvPr id="22" name="Rectangle 21"/>
+          <p:cNvSpPr/>
+          <p:nvPr/>
+        </p:nvSpPr>
+        <p:spPr>
+          <a:xfrm>
+            <a:off x="3345547" y="35738"/>
+            <a:ext cx="2064653" cy="276999"/>
+          </a:xfrm>
+          <a:prstGeom prst="rect">
+            <a:avLst/>
+          </a:prstGeom>
+        </p:spPr>
+        <p:style>
+          <a:lnRef idx="1">
+            <a:schemeClr val="accent4"/>
+          </a:lnRef>
+          <a:fillRef idx="3">
+            <a:schemeClr val="accent4"/>
+          </a:fillRef>
+          <a:effectRef idx="2">
+            <a:schemeClr val="accent4"/>
+          </a:effectRef>
+          <a:fontRef idx="minor">
+            <a:schemeClr val="lt1"/>
+          </a:fontRef>
+        </p:style>
+        <p:txBody>
+          <a:bodyPr wrap="square">
+            <a:spAutoFit/>
+          </a:bodyPr>
+          <a:lstStyle/>
+          <a:p>
+            <a:pPr algn="ctr"/>
+            <a:r>
+              <a:rPr lang="en-US" sz="1200" dirty="0" smtClean="0"/>
+              <a:t>Access modifiers – </a:t>
+            </a:r>
+            <a:r>
+              <a:rPr lang="en-US" sz="1200" dirty="0" smtClean="0"/>
+              <a:t>method</a:t>
             </a:r>
             <a:endParaRPr lang="en-US" sz="1200" dirty="0"/>
           </a:p>
@@ -6274,7 +6302,7 @@
         </p:nvSpPr>
         <p:spPr bwMode="auto">
           <a:xfrm>
-            <a:off x="730250" y="312737"/>
+            <a:off x="750169" y="312737"/>
             <a:ext cx="304800" cy="304801"/>
           </a:xfrm>
           <a:prstGeom prst="rect">
@@ -6305,16 +6333,119 @@
       </p:sp>
       <p:sp>
         <p:nvSpPr>
-          <p:cNvPr id="14" name="Rectangle 13"/>
+          <p:cNvPr id="9" name="Rounded Rectangle 8"/>
           <p:cNvSpPr/>
           <p:nvPr/>
         </p:nvSpPr>
         <p:spPr>
           <a:xfrm>
-            <a:off x="3687078" y="35738"/>
-            <a:ext cx="1676400" cy="276999"/>
-          </a:xfrm>
-          <a:prstGeom prst="rect">
+            <a:off x="2067098" y="1510099"/>
+            <a:ext cx="2496280" cy="1274548"/>
+          </a:xfrm>
+          <a:prstGeom prst="roundRect">
+            <a:avLst/>
+          </a:prstGeom>
+        </p:spPr>
+        <p:style>
+          <a:lnRef idx="1">
+            <a:schemeClr val="accent2"/>
+          </a:lnRef>
+          <a:fillRef idx="3">
+            <a:schemeClr val="accent2"/>
+          </a:fillRef>
+          <a:effectRef idx="2">
+            <a:schemeClr val="accent2"/>
+          </a:effectRef>
+          <a:fontRef idx="minor">
+            <a:schemeClr val="lt1"/>
+          </a:fontRef>
+        </p:style>
+        <p:txBody>
+          <a:bodyPr rtlCol="0" anchor="ctr"/>
+          <a:lstStyle/>
+          <a:p>
+            <a:r>
+              <a:rPr lang="en-US" sz="1000" dirty="0"/>
+              <a:t>p</a:t>
+            </a:r>
+            <a:r>
+              <a:rPr lang="en-US" sz="1000" dirty="0" smtClean="0"/>
+              <a:t>ublic class Student</a:t>
+            </a:r>
+          </a:p>
+          <a:p>
+            <a:r>
+              <a:rPr lang="en-US" sz="1000" dirty="0" smtClean="0"/>
+              <a:t>{</a:t>
+            </a:r>
+          </a:p>
+          <a:p>
+            <a:r>
+              <a:rPr lang="en-US" sz="1000" dirty="0" smtClean="0"/>
+              <a:t>   </a:t>
+            </a:r>
+            <a:r>
+              <a:rPr lang="en-US" sz="1000" b="1" dirty="0"/>
+              <a:t> </a:t>
+            </a:r>
+            <a:r>
+              <a:rPr lang="en-US" sz="1000" b="1" dirty="0" smtClean="0"/>
+              <a:t>private void </a:t>
+            </a:r>
+            <a:r>
+              <a:rPr lang="en-US" sz="1000" b="1" dirty="0"/>
+              <a:t>display()</a:t>
+            </a:r>
+          </a:p>
+          <a:p>
+            <a:r>
+              <a:rPr lang="en-US" sz="1000" b="1" dirty="0"/>
+              <a:t>    {</a:t>
+            </a:r>
+          </a:p>
+          <a:p>
+            <a:r>
+              <a:rPr lang="en-US" sz="1000" b="1" dirty="0"/>
+              <a:t>       System.out.println("hello");</a:t>
+            </a:r>
+          </a:p>
+          <a:p>
+            <a:r>
+              <a:rPr lang="en-US" sz="1000" b="1" dirty="0"/>
+              <a:t>    </a:t>
+            </a:r>
+            <a:r>
+              <a:rPr lang="en-US" sz="1000" b="1" dirty="0" smtClean="0"/>
+              <a:t>}</a:t>
+            </a:r>
+          </a:p>
+          <a:p>
+            <a:r>
+              <a:rPr lang="en-US" sz="1000" dirty="0" smtClean="0"/>
+              <a:t>}</a:t>
+            </a:r>
+          </a:p>
+          <a:p>
+            <a:r>
+              <a:rPr lang="en-US" sz="1000" dirty="0" smtClean="0"/>
+              <a:t>public class StudentMyPack1Test</a:t>
+            </a:r>
+            <a:endParaRPr lang="en-US" sz="1000" dirty="0"/>
+          </a:p>
+        </p:txBody>
+      </p:sp>
+      <p:sp>
+        <p:nvSpPr>
+          <p:cNvPr id="17" name="Rounded Rectangle 16"/>
+          <p:cNvSpPr/>
+          <p:nvPr/>
+        </p:nvSpPr>
+        <p:spPr>
+          <a:xfrm>
+            <a:off x="5325080" y="1510099"/>
+            <a:ext cx="3133119" cy="1274548"/>
+          </a:xfrm>
+          <a:prstGeom prst="roundRect">
             <a:avLst/>
           </a:prstGeom>
         </p:spPr>
@@ -6333,15 +6464,18 @@
           </a:fontRef>
         </p:style>
         <p:txBody>
-          <a:bodyPr wrap="square">
-            <a:spAutoFit/>
-          </a:bodyPr>
-          <a:lstStyle/>
-          <a:p>
-            <a:pPr algn="ctr"/>
+          <a:bodyPr rtlCol="0" anchor="ctr"/>
+          <a:lstStyle/>
+          <a:p>
             <a:r>
               <a:rPr lang="en-US" sz="1200" dirty="0" smtClean="0"/>
-              <a:t>Access modifiers - class</a:t>
+              <a:t>public class PreKgStudent extends Student</a:t>
+            </a:r>
+          </a:p>
+          <a:p>
+            <a:r>
+              <a:rPr lang="en-US" sz="1200" dirty="0" smtClean="0"/>
+              <a:t>public class StudentMyPack2Test</a:t>
             </a:r>
             <a:endParaRPr lang="en-US" sz="1200" dirty="0"/>
           </a:p>
@@ -6349,16 +6483,16 @@
       </p:sp>
       <p:sp>
         <p:nvSpPr>
-          <p:cNvPr id="9" name="Rounded Rectangle 8"/>
+          <p:cNvPr id="18" name="Rectangle 17"/>
           <p:cNvSpPr/>
           <p:nvPr/>
         </p:nvSpPr>
         <p:spPr>
           <a:xfrm>
-            <a:off x="2067098" y="1510099"/>
-            <a:ext cx="2496280" cy="1274548"/>
-          </a:xfrm>
-          <a:prstGeom prst="roundRect">
+            <a:off x="2769568" y="1163596"/>
+            <a:ext cx="742832" cy="276999"/>
+          </a:xfrm>
+          <a:prstGeom prst="rect">
             <a:avLst/>
           </a:prstGeom>
         </p:spPr>
@@ -6377,91 +6511,30 @@
           </a:fontRef>
         </p:style>
         <p:txBody>
-          <a:bodyPr rtlCol="0" anchor="ctr"/>
-          <a:lstStyle/>
-          <a:p>
-            <a:r>
-              <a:rPr lang="en-US" sz="1000" dirty="0"/>
-              <a:t>p</a:t>
-            </a:r>
-            <a:r>
-              <a:rPr lang="en-US" sz="1000" dirty="0" smtClean="0"/>
-              <a:t>ublic class Student</a:t>
-            </a:r>
-          </a:p>
-          <a:p>
-            <a:r>
-              <a:rPr lang="en-US" sz="1000" dirty="0" smtClean="0"/>
-              <a:t>{</a:t>
-            </a:r>
-          </a:p>
-          <a:p>
-            <a:r>
-              <a:rPr lang="en-US" sz="1000" dirty="0" smtClean="0"/>
-              <a:t>   </a:t>
-            </a:r>
-            <a:r>
-              <a:rPr lang="en-US" sz="1000" b="1" dirty="0"/>
-              <a:t> </a:t>
-            </a:r>
-            <a:r>
-              <a:rPr lang="en-US" sz="1000" b="1" dirty="0" smtClean="0"/>
-              <a:t>private void </a:t>
-            </a:r>
-            <a:r>
-              <a:rPr lang="en-US" sz="1000" b="1" dirty="0"/>
-              <a:t>display()</a:t>
-            </a:r>
-          </a:p>
-          <a:p>
-            <a:r>
-              <a:rPr lang="en-US" sz="1000" b="1" dirty="0"/>
-              <a:t>    {</a:t>
-            </a:r>
-          </a:p>
-          <a:p>
-            <a:r>
-              <a:rPr lang="en-US" sz="1000" b="1" dirty="0"/>
-              <a:t>       System.out.println("hello");</a:t>
-            </a:r>
-          </a:p>
-          <a:p>
-            <a:r>
-              <a:rPr lang="en-US" sz="1000" b="1" dirty="0"/>
-              <a:t>    </a:t>
-            </a:r>
-            <a:r>
-              <a:rPr lang="en-US" sz="1000" b="1" dirty="0" smtClean="0"/>
-              <a:t>}</a:t>
-            </a:r>
-          </a:p>
-          <a:p>
-            <a:r>
-              <a:rPr lang="en-US" sz="1000" dirty="0" smtClean="0"/>
-              <a:t>}</a:t>
-            </a:r>
-          </a:p>
-          <a:p>
-            <a:r>
-              <a:rPr lang="en-US" sz="1000" dirty="0" smtClean="0"/>
-              <a:t>public class StudentMyPack1Test</a:t>
-            </a:r>
-            <a:endParaRPr lang="en-US" sz="1000" dirty="0"/>
-          </a:p>
-        </p:txBody>
-      </p:sp>
-      <p:sp>
-        <p:nvSpPr>
-          <p:cNvPr id="17" name="Rounded Rectangle 16"/>
+          <a:bodyPr wrap="none">
+            <a:spAutoFit/>
+          </a:bodyPr>
+          <a:lstStyle/>
+          <a:p>
+            <a:r>
+              <a:rPr lang="en-US" sz="1200" dirty="0"/>
+              <a:t>mypack1</a:t>
+            </a:r>
+          </a:p>
+        </p:txBody>
+      </p:sp>
+      <p:sp>
+        <p:nvSpPr>
+          <p:cNvPr id="19" name="Rectangle 18"/>
           <p:cNvSpPr/>
           <p:nvPr/>
         </p:nvSpPr>
         <p:spPr>
           <a:xfrm>
-            <a:off x="5325080" y="1510099"/>
-            <a:ext cx="3133119" cy="1274548"/>
-          </a:xfrm>
-          <a:prstGeom prst="roundRect">
+            <a:off x="6182449" y="1163596"/>
+            <a:ext cx="742832" cy="276999"/>
+          </a:xfrm>
+          <a:prstGeom prst="rect">
             <a:avLst/>
           </a:prstGeom>
         </p:spPr>
@@ -6480,95 +6553,6 @@
           </a:fontRef>
         </p:style>
         <p:txBody>
-          <a:bodyPr rtlCol="0" anchor="ctr"/>
-          <a:lstStyle/>
-          <a:p>
-            <a:r>
-              <a:rPr lang="en-US" sz="1200" dirty="0" smtClean="0"/>
-              <a:t>public class PreKgStudent extends Student</a:t>
-            </a:r>
-          </a:p>
-          <a:p>
-            <a:r>
-              <a:rPr lang="en-US" sz="1200" dirty="0" smtClean="0"/>
-              <a:t>public class StudentMyPack2Test</a:t>
-            </a:r>
-            <a:endParaRPr lang="en-US" sz="1200" dirty="0"/>
-          </a:p>
-        </p:txBody>
-      </p:sp>
-      <p:sp>
-        <p:nvSpPr>
-          <p:cNvPr id="18" name="Rectangle 17"/>
-          <p:cNvSpPr/>
-          <p:nvPr/>
-        </p:nvSpPr>
-        <p:spPr>
-          <a:xfrm>
-            <a:off x="2769568" y="1163596"/>
-            <a:ext cx="742832" cy="276999"/>
-          </a:xfrm>
-          <a:prstGeom prst="rect">
-            <a:avLst/>
-          </a:prstGeom>
-        </p:spPr>
-        <p:style>
-          <a:lnRef idx="1">
-            <a:schemeClr val="accent2"/>
-          </a:lnRef>
-          <a:fillRef idx="3">
-            <a:schemeClr val="accent2"/>
-          </a:fillRef>
-          <a:effectRef idx="2">
-            <a:schemeClr val="accent2"/>
-          </a:effectRef>
-          <a:fontRef idx="minor">
-            <a:schemeClr val="lt1"/>
-          </a:fontRef>
-        </p:style>
-        <p:txBody>
-          <a:bodyPr wrap="none">
-            <a:spAutoFit/>
-          </a:bodyPr>
-          <a:lstStyle/>
-          <a:p>
-            <a:r>
-              <a:rPr lang="en-US" sz="1200" dirty="0"/>
-              <a:t>mypack1</a:t>
-            </a:r>
-          </a:p>
-        </p:txBody>
-      </p:sp>
-      <p:sp>
-        <p:nvSpPr>
-          <p:cNvPr id="19" name="Rectangle 18"/>
-          <p:cNvSpPr/>
-          <p:nvPr/>
-        </p:nvSpPr>
-        <p:spPr>
-          <a:xfrm>
-            <a:off x="6182449" y="1163596"/>
-            <a:ext cx="742832" cy="276999"/>
-          </a:xfrm>
-          <a:prstGeom prst="rect">
-            <a:avLst/>
-          </a:prstGeom>
-        </p:spPr>
-        <p:style>
-          <a:lnRef idx="1">
-            <a:schemeClr val="accent4"/>
-          </a:lnRef>
-          <a:fillRef idx="3">
-            <a:schemeClr val="accent4"/>
-          </a:fillRef>
-          <a:effectRef idx="2">
-            <a:schemeClr val="accent4"/>
-          </a:effectRef>
-          <a:fontRef idx="minor">
-            <a:schemeClr val="lt1"/>
-          </a:fontRef>
-        </p:style>
-        <p:txBody>
           <a:bodyPr wrap="none">
             <a:spAutoFit/>
           </a:bodyPr>
@@ -6590,8 +6574,8 @@
         </p:nvCxnSpPr>
         <p:spPr>
           <a:xfrm>
-            <a:off x="3807191" y="2424499"/>
-            <a:ext cx="943878" cy="720297"/>
+            <a:off x="3807191" y="2784647"/>
+            <a:ext cx="943878" cy="360149"/>
           </a:xfrm>
           <a:prstGeom prst="straightConnector1">
             <a:avLst/>
@@ -6848,7 +6832,19 @@
           <a:p>
             <a:r>
               <a:rPr lang="en-US" sz="1200" dirty="0"/>
-              <a:t>At the member level, you can </a:t>
+              <a:t>At the </a:t>
+            </a:r>
+            <a:r>
+              <a:rPr lang="en-US" sz="1200" b="1" dirty="0" smtClean="0"/>
+              <a:t>method</a:t>
+            </a:r>
+            <a:r>
+              <a:rPr lang="en-US" sz="1200" dirty="0" smtClean="0"/>
+              <a:t> level</a:t>
+            </a:r>
+            <a:r>
+              <a:rPr lang="en-US" sz="1200" dirty="0"/>
+              <a:t>, you can </a:t>
             </a:r>
             <a:r>
               <a:rPr lang="en-US" sz="1200" dirty="0" smtClean="0"/>
@@ -6877,8 +6873,8 @@
         </p:nvSpPr>
         <p:spPr>
           <a:xfrm>
-            <a:off x="1143000" y="408807"/>
-            <a:ext cx="6858000" cy="276999"/>
+            <a:off x="1477278" y="419535"/>
+            <a:ext cx="5990322" cy="276999"/>
           </a:xfrm>
           <a:prstGeom prst="rect">
             <a:avLst/>
@@ -6918,13 +6914,65 @@
               <a:t> modifier specifies that the </a:t>
             </a:r>
             <a:r>
+              <a:rPr lang="en-US" sz="1200" b="1" dirty="0" smtClean="0"/>
+              <a:t>method</a:t>
+            </a:r>
+            <a:r>
               <a:rPr lang="en-US" sz="1200" dirty="0" smtClean="0"/>
-              <a:t>member(field/method) </a:t>
+              <a:t> </a:t>
             </a:r>
             <a:r>
               <a:rPr lang="en-US" sz="1200" dirty="0"/>
               <a:t>can only be accessed in its own class.</a:t>
             </a:r>
+          </a:p>
+        </p:txBody>
+      </p:sp>
+      <p:sp>
+        <p:nvSpPr>
+          <p:cNvPr id="21" name="Rectangle 20"/>
+          <p:cNvSpPr/>
+          <p:nvPr/>
+        </p:nvSpPr>
+        <p:spPr>
+          <a:xfrm>
+            <a:off x="3345547" y="35738"/>
+            <a:ext cx="2064653" cy="276999"/>
+          </a:xfrm>
+          <a:prstGeom prst="rect">
+            <a:avLst/>
+          </a:prstGeom>
+        </p:spPr>
+        <p:style>
+          <a:lnRef idx="1">
+            <a:schemeClr val="accent4"/>
+          </a:lnRef>
+          <a:fillRef idx="3">
+            <a:schemeClr val="accent4"/>
+          </a:fillRef>
+          <a:effectRef idx="2">
+            <a:schemeClr val="accent4"/>
+          </a:effectRef>
+          <a:fontRef idx="minor">
+            <a:schemeClr val="lt1"/>
+          </a:fontRef>
+        </p:style>
+        <p:txBody>
+          <a:bodyPr wrap="square">
+            <a:spAutoFit/>
+          </a:bodyPr>
+          <a:lstStyle/>
+          <a:p>
+            <a:pPr algn="ctr"/>
+            <a:r>
+              <a:rPr lang="en-US" sz="1200" dirty="0" smtClean="0"/>
+              <a:t>Access modifiers – </a:t>
+            </a:r>
+            <a:r>
+              <a:rPr lang="en-US" sz="1200" dirty="0" smtClean="0"/>
+              <a:t>method</a:t>
+            </a:r>
+            <a:endParaRPr lang="en-US" sz="1200" dirty="0"/>
           </a:p>
         </p:txBody>
       </p:sp>
@@ -7248,16 +7296,119 @@
       </p:sp>
       <p:sp>
         <p:nvSpPr>
-          <p:cNvPr id="14" name="Rectangle 13"/>
+          <p:cNvPr id="9" name="Rounded Rectangle 8"/>
           <p:cNvSpPr/>
           <p:nvPr/>
         </p:nvSpPr>
         <p:spPr>
           <a:xfrm>
-            <a:off x="3687078" y="35738"/>
-            <a:ext cx="1676400" cy="276999"/>
-          </a:xfrm>
-          <a:prstGeom prst="rect">
+            <a:off x="2067098" y="1510099"/>
+            <a:ext cx="2496280" cy="1274548"/>
+          </a:xfrm>
+          <a:prstGeom prst="roundRect">
+            <a:avLst/>
+          </a:prstGeom>
+        </p:spPr>
+        <p:style>
+          <a:lnRef idx="1">
+            <a:schemeClr val="accent2"/>
+          </a:lnRef>
+          <a:fillRef idx="3">
+            <a:schemeClr val="accent2"/>
+          </a:fillRef>
+          <a:effectRef idx="2">
+            <a:schemeClr val="accent2"/>
+          </a:effectRef>
+          <a:fontRef idx="minor">
+            <a:schemeClr val="lt1"/>
+          </a:fontRef>
+        </p:style>
+        <p:txBody>
+          <a:bodyPr rtlCol="0" anchor="ctr"/>
+          <a:lstStyle/>
+          <a:p>
+            <a:r>
+              <a:rPr lang="en-US" sz="1000" dirty="0"/>
+              <a:t>p</a:t>
+            </a:r>
+            <a:r>
+              <a:rPr lang="en-US" sz="1000" dirty="0" smtClean="0"/>
+              <a:t>ublic class Student</a:t>
+            </a:r>
+          </a:p>
+          <a:p>
+            <a:r>
+              <a:rPr lang="en-US" sz="1000" dirty="0" smtClean="0"/>
+              <a:t>{</a:t>
+            </a:r>
+          </a:p>
+          <a:p>
+            <a:r>
+              <a:rPr lang="en-US" sz="1000" dirty="0" smtClean="0"/>
+              <a:t>   </a:t>
+            </a:r>
+            <a:r>
+              <a:rPr lang="en-US" sz="1000" b="1" dirty="0"/>
+              <a:t> </a:t>
+            </a:r>
+            <a:r>
+              <a:rPr lang="en-US" sz="1000" b="1" dirty="0" smtClean="0"/>
+              <a:t>protected void </a:t>
+            </a:r>
+            <a:r>
+              <a:rPr lang="en-US" sz="1000" b="1" dirty="0"/>
+              <a:t>display()</a:t>
+            </a:r>
+          </a:p>
+          <a:p>
+            <a:r>
+              <a:rPr lang="en-US" sz="1000" b="1" dirty="0"/>
+              <a:t>    {</a:t>
+            </a:r>
+          </a:p>
+          <a:p>
+            <a:r>
+              <a:rPr lang="en-US" sz="1000" b="1" dirty="0"/>
+              <a:t>       System.out.println("hello");</a:t>
+            </a:r>
+          </a:p>
+          <a:p>
+            <a:r>
+              <a:rPr lang="en-US" sz="1000" b="1" dirty="0"/>
+              <a:t>    </a:t>
+            </a:r>
+            <a:r>
+              <a:rPr lang="en-US" sz="1000" b="1" dirty="0" smtClean="0"/>
+              <a:t>}</a:t>
+            </a:r>
+          </a:p>
+          <a:p>
+            <a:r>
+              <a:rPr lang="en-US" sz="1000" dirty="0" smtClean="0"/>
+              <a:t>}</a:t>
+            </a:r>
+          </a:p>
+          <a:p>
+            <a:r>
+              <a:rPr lang="en-US" sz="1000" dirty="0" smtClean="0"/>
+              <a:t>public class StudentMyPack1Test</a:t>
+            </a:r>
+            <a:endParaRPr lang="en-US" sz="1000" dirty="0"/>
+          </a:p>
+        </p:txBody>
+      </p:sp>
+      <p:sp>
+        <p:nvSpPr>
+          <p:cNvPr id="17" name="Rounded Rectangle 16"/>
+          <p:cNvSpPr/>
+          <p:nvPr/>
+        </p:nvSpPr>
+        <p:spPr>
+          <a:xfrm>
+            <a:off x="5325080" y="1510099"/>
+            <a:ext cx="3133119" cy="1274548"/>
+          </a:xfrm>
+          <a:prstGeom prst="roundRect">
             <a:avLst/>
           </a:prstGeom>
         </p:spPr>
@@ -7276,15 +7427,18 @@
           </a:fontRef>
         </p:style>
         <p:txBody>
-          <a:bodyPr wrap="square">
-            <a:spAutoFit/>
-          </a:bodyPr>
-          <a:lstStyle/>
-          <a:p>
-            <a:pPr algn="ctr"/>
+          <a:bodyPr rtlCol="0" anchor="ctr"/>
+          <a:lstStyle/>
+          <a:p>
             <a:r>
               <a:rPr lang="en-US" sz="1200" dirty="0" smtClean="0"/>
-              <a:t>Access modifiers - class</a:t>
+              <a:t>public class PreKgStudent extends Student</a:t>
+            </a:r>
+          </a:p>
+          <a:p>
+            <a:r>
+              <a:rPr lang="en-US" sz="1200" dirty="0" smtClean="0"/>
+              <a:t>public class StudentMyPack2Test</a:t>
             </a:r>
             <a:endParaRPr lang="en-US" sz="1200" dirty="0"/>
           </a:p>
@@ -7292,16 +7446,16 @@
       </p:sp>
       <p:sp>
         <p:nvSpPr>
-          <p:cNvPr id="9" name="Rounded Rectangle 8"/>
+          <p:cNvPr id="18" name="Rectangle 17"/>
           <p:cNvSpPr/>
           <p:nvPr/>
         </p:nvSpPr>
         <p:spPr>
           <a:xfrm>
-            <a:off x="2067098" y="1510099"/>
-            <a:ext cx="2496280" cy="1274548"/>
-          </a:xfrm>
-          <a:prstGeom prst="roundRect">
+            <a:off x="2769568" y="1163596"/>
+            <a:ext cx="742832" cy="276999"/>
+          </a:xfrm>
+          <a:prstGeom prst="rect">
             <a:avLst/>
           </a:prstGeom>
         </p:spPr>
@@ -7320,91 +7474,30 @@
           </a:fontRef>
         </p:style>
         <p:txBody>
-          <a:bodyPr rtlCol="0" anchor="ctr"/>
-          <a:lstStyle/>
-          <a:p>
-            <a:r>
-              <a:rPr lang="en-US" sz="1000" dirty="0"/>
-              <a:t>p</a:t>
-            </a:r>
-            <a:r>
-              <a:rPr lang="en-US" sz="1000" dirty="0" smtClean="0"/>
-              <a:t>ublic class Student</a:t>
-            </a:r>
-          </a:p>
-          <a:p>
-            <a:r>
-              <a:rPr lang="en-US" sz="1000" dirty="0" smtClean="0"/>
-              <a:t>{</a:t>
-            </a:r>
-          </a:p>
-          <a:p>
-            <a:r>
-              <a:rPr lang="en-US" sz="1000" dirty="0" smtClean="0"/>
-              <a:t>   </a:t>
-            </a:r>
-            <a:r>
-              <a:rPr lang="en-US" sz="1000" b="1" dirty="0"/>
-              <a:t> </a:t>
-            </a:r>
-            <a:r>
-              <a:rPr lang="en-US" sz="1000" b="1" dirty="0" smtClean="0"/>
-              <a:t>protected void </a:t>
-            </a:r>
-            <a:r>
-              <a:rPr lang="en-US" sz="1000" b="1" dirty="0"/>
-              <a:t>display()</a:t>
-            </a:r>
-          </a:p>
-          <a:p>
-            <a:r>
-              <a:rPr lang="en-US" sz="1000" b="1" dirty="0"/>
-              <a:t>    {</a:t>
-            </a:r>
-          </a:p>
-          <a:p>
-            <a:r>
-              <a:rPr lang="en-US" sz="1000" b="1" dirty="0"/>
-              <a:t>       System.out.println("hello");</a:t>
-            </a:r>
-          </a:p>
-          <a:p>
-            <a:r>
-              <a:rPr lang="en-US" sz="1000" b="1" dirty="0"/>
-              <a:t>    </a:t>
-            </a:r>
-            <a:r>
-              <a:rPr lang="en-US" sz="1000" b="1" dirty="0" smtClean="0"/>
-              <a:t>}</a:t>
-            </a:r>
-          </a:p>
-          <a:p>
-            <a:r>
-              <a:rPr lang="en-US" sz="1000" dirty="0" smtClean="0"/>
-              <a:t>}</a:t>
-            </a:r>
-          </a:p>
-          <a:p>
-            <a:r>
-              <a:rPr lang="en-US" sz="1000" dirty="0" smtClean="0"/>
-              <a:t>public class StudentMyPack1Test</a:t>
-            </a:r>
-            <a:endParaRPr lang="en-US" sz="1000" dirty="0"/>
-          </a:p>
-        </p:txBody>
-      </p:sp>
-      <p:sp>
-        <p:nvSpPr>
-          <p:cNvPr id="17" name="Rounded Rectangle 16"/>
+          <a:bodyPr wrap="none">
+            <a:spAutoFit/>
+          </a:bodyPr>
+          <a:lstStyle/>
+          <a:p>
+            <a:r>
+              <a:rPr lang="en-US" sz="1200" dirty="0"/>
+              <a:t>mypack1</a:t>
+            </a:r>
+          </a:p>
+        </p:txBody>
+      </p:sp>
+      <p:sp>
+        <p:nvSpPr>
+          <p:cNvPr id="19" name="Rectangle 18"/>
           <p:cNvSpPr/>
           <p:nvPr/>
         </p:nvSpPr>
         <p:spPr>
           <a:xfrm>
-            <a:off x="5325080" y="1510099"/>
-            <a:ext cx="3133119" cy="1274548"/>
-          </a:xfrm>
-          <a:prstGeom prst="roundRect">
+            <a:off x="6182449" y="1163596"/>
+            <a:ext cx="742832" cy="276999"/>
+          </a:xfrm>
+          <a:prstGeom prst="rect">
             <a:avLst/>
           </a:prstGeom>
         </p:spPr>
@@ -7423,95 +7516,6 @@
           </a:fontRef>
         </p:style>
         <p:txBody>
-          <a:bodyPr rtlCol="0" anchor="ctr"/>
-          <a:lstStyle/>
-          <a:p>
-            <a:r>
-              <a:rPr lang="en-US" sz="1200" dirty="0" smtClean="0"/>
-              <a:t>public class PreKgStudent extends Student</a:t>
-            </a:r>
-          </a:p>
-          <a:p>
-            <a:r>
-              <a:rPr lang="en-US" sz="1200" dirty="0" smtClean="0"/>
-              <a:t>public class StudentMyPack2Test</a:t>
-            </a:r>
-            <a:endParaRPr lang="en-US" sz="1200" dirty="0"/>
-          </a:p>
-        </p:txBody>
-      </p:sp>
-      <p:sp>
-        <p:nvSpPr>
-          <p:cNvPr id="18" name="Rectangle 17"/>
-          <p:cNvSpPr/>
-          <p:nvPr/>
-        </p:nvSpPr>
-        <p:spPr>
-          <a:xfrm>
-            <a:off x="2769568" y="1163596"/>
-            <a:ext cx="742832" cy="276999"/>
-          </a:xfrm>
-          <a:prstGeom prst="rect">
-            <a:avLst/>
-          </a:prstGeom>
-        </p:spPr>
-        <p:style>
-          <a:lnRef idx="1">
-            <a:schemeClr val="accent2"/>
-          </a:lnRef>
-          <a:fillRef idx="3">
-            <a:schemeClr val="accent2"/>
-          </a:fillRef>
-          <a:effectRef idx="2">
-            <a:schemeClr val="accent2"/>
-          </a:effectRef>
-          <a:fontRef idx="minor">
-            <a:schemeClr val="lt1"/>
-          </a:fontRef>
-        </p:style>
-        <p:txBody>
-          <a:bodyPr wrap="none">
-            <a:spAutoFit/>
-          </a:bodyPr>
-          <a:lstStyle/>
-          <a:p>
-            <a:r>
-              <a:rPr lang="en-US" sz="1200" dirty="0"/>
-              <a:t>mypack1</a:t>
-            </a:r>
-          </a:p>
-        </p:txBody>
-      </p:sp>
-      <p:sp>
-        <p:nvSpPr>
-          <p:cNvPr id="19" name="Rectangle 18"/>
-          <p:cNvSpPr/>
-          <p:nvPr/>
-        </p:nvSpPr>
-        <p:spPr>
-          <a:xfrm>
-            <a:off x="6182449" y="1163596"/>
-            <a:ext cx="742832" cy="276999"/>
-          </a:xfrm>
-          <a:prstGeom prst="rect">
-            <a:avLst/>
-          </a:prstGeom>
-        </p:spPr>
-        <p:style>
-          <a:lnRef idx="1">
-            <a:schemeClr val="accent4"/>
-          </a:lnRef>
-          <a:fillRef idx="3">
-            <a:schemeClr val="accent4"/>
-          </a:fillRef>
-          <a:effectRef idx="2">
-            <a:schemeClr val="accent4"/>
-          </a:effectRef>
-          <a:fontRef idx="minor">
-            <a:schemeClr val="lt1"/>
-          </a:fontRef>
-        </p:style>
-        <p:txBody>
           <a:bodyPr wrap="none">
             <a:spAutoFit/>
           </a:bodyPr>
@@ -7533,8 +7537,8 @@
         </p:nvCxnSpPr>
         <p:spPr>
           <a:xfrm>
-            <a:off x="3807191" y="2424499"/>
-            <a:ext cx="943878" cy="720297"/>
+            <a:off x="3733800" y="2784647"/>
+            <a:ext cx="1017269" cy="360149"/>
           </a:xfrm>
           <a:prstGeom prst="straightConnector1">
             <a:avLst/>
@@ -7804,7 +7808,19 @@
           <a:p>
             <a:r>
               <a:rPr lang="en-US" sz="1200" dirty="0"/>
-              <a:t>At the member level, you can </a:t>
+              <a:t>At the </a:t>
+            </a:r>
+            <a:r>
+              <a:rPr lang="en-US" sz="1200" b="1" dirty="0" smtClean="0"/>
+              <a:t>method</a:t>
+            </a:r>
+            <a:r>
+              <a:rPr lang="en-US" sz="1200" dirty="0" smtClean="0"/>
+              <a:t> level</a:t>
+            </a:r>
+            <a:r>
+              <a:rPr lang="en-US" sz="1200" dirty="0"/>
+              <a:t>, you can </a:t>
             </a:r>
             <a:r>
               <a:rPr lang="en-US" sz="1200" dirty="0" smtClean="0"/>
@@ -7870,11 +7886,19 @@
             </a:r>
             <a:r>
               <a:rPr lang="en-US" sz="1200" dirty="0"/>
-              <a:t> modifier specifies that the </a:t>
+              <a:t> modifier specifies that </a:t>
             </a:r>
             <a:r>
               <a:rPr lang="en-US" sz="1200" dirty="0" smtClean="0"/>
-              <a:t>member(field/method) </a:t>
+              <a:t>the </a:t>
+            </a:r>
+            <a:r>
+              <a:rPr lang="en-US" sz="1200" b="1" dirty="0" smtClean="0"/>
+              <a:t>method</a:t>
+            </a:r>
+            <a:r>
+              <a:rPr lang="en-US" sz="1200" dirty="0" smtClean="0"/>
+              <a:t> </a:t>
             </a:r>
             <a:r>
               <a:rPr lang="en-US" sz="1200" dirty="0"/>
@@ -7888,6 +7912,54 @@
               <a:rPr lang="en-US" sz="1200" dirty="0"/>
               <a:t>) and, in addition, by a subclass of its class in another package.</a:t>
             </a:r>
+          </a:p>
+        </p:txBody>
+      </p:sp>
+      <p:sp>
+        <p:nvSpPr>
+          <p:cNvPr id="22" name="Rectangle 21"/>
+          <p:cNvSpPr/>
+          <p:nvPr/>
+        </p:nvSpPr>
+        <p:spPr>
+          <a:xfrm>
+            <a:off x="3345547" y="35738"/>
+            <a:ext cx="2064653" cy="276999"/>
+          </a:xfrm>
+          <a:prstGeom prst="rect">
+            <a:avLst/>
+          </a:prstGeom>
+        </p:spPr>
+        <p:style>
+          <a:lnRef idx="1">
+            <a:schemeClr val="accent4"/>
+          </a:lnRef>
+          <a:fillRef idx="3">
+            <a:schemeClr val="accent4"/>
+          </a:fillRef>
+          <a:effectRef idx="2">
+            <a:schemeClr val="accent4"/>
+          </a:effectRef>
+          <a:fontRef idx="minor">
+            <a:schemeClr val="lt1"/>
+          </a:fontRef>
+        </p:style>
+        <p:txBody>
+          <a:bodyPr wrap="square">
+            <a:spAutoFit/>
+          </a:bodyPr>
+          <a:lstStyle/>
+          <a:p>
+            <a:pPr algn="ctr"/>
+            <a:r>
+              <a:rPr lang="en-US" sz="1200" dirty="0" smtClean="0"/>
+              <a:t>Access modifiers – </a:t>
+            </a:r>
+            <a:r>
+              <a:rPr lang="en-US" sz="1200" dirty="0" smtClean="0"/>
+              <a:t>method</a:t>
+            </a:r>
+            <a:endParaRPr lang="en-US" sz="1200" dirty="0"/>
           </a:p>
         </p:txBody>
       </p:sp>
@@ -8211,16 +8283,111 @@
       </p:sp>
       <p:sp>
         <p:nvSpPr>
-          <p:cNvPr id="14" name="Rectangle 13"/>
+          <p:cNvPr id="9" name="Rounded Rectangle 8"/>
           <p:cNvSpPr/>
           <p:nvPr/>
         </p:nvSpPr>
         <p:spPr>
           <a:xfrm>
-            <a:off x="3687078" y="35738"/>
-            <a:ext cx="1676400" cy="276999"/>
-          </a:xfrm>
-          <a:prstGeom prst="rect">
+            <a:off x="2067098" y="1510099"/>
+            <a:ext cx="2496280" cy="1274548"/>
+          </a:xfrm>
+          <a:prstGeom prst="roundRect">
+            <a:avLst/>
+          </a:prstGeom>
+        </p:spPr>
+        <p:style>
+          <a:lnRef idx="1">
+            <a:schemeClr val="accent2"/>
+          </a:lnRef>
+          <a:fillRef idx="3">
+            <a:schemeClr val="accent2"/>
+          </a:fillRef>
+          <a:effectRef idx="2">
+            <a:schemeClr val="accent2"/>
+          </a:effectRef>
+          <a:fontRef idx="minor">
+            <a:schemeClr val="lt1"/>
+          </a:fontRef>
+        </p:style>
+        <p:txBody>
+          <a:bodyPr rtlCol="0" anchor="ctr"/>
+          <a:lstStyle/>
+          <a:p>
+            <a:r>
+              <a:rPr lang="en-US" sz="1000" dirty="0"/>
+              <a:t>p</a:t>
+            </a:r>
+            <a:r>
+              <a:rPr lang="en-US" sz="1000" dirty="0" smtClean="0"/>
+              <a:t>ublic class Student</a:t>
+            </a:r>
+          </a:p>
+          <a:p>
+            <a:r>
+              <a:rPr lang="en-US" sz="1000" dirty="0" smtClean="0"/>
+              <a:t>{</a:t>
+            </a:r>
+          </a:p>
+          <a:p>
+            <a:r>
+              <a:rPr lang="en-US" sz="1000" b="1" dirty="0" smtClean="0"/>
+              <a:t>    void </a:t>
+            </a:r>
+            <a:r>
+              <a:rPr lang="en-US" sz="1000" b="1" dirty="0"/>
+              <a:t>display()</a:t>
+            </a:r>
+          </a:p>
+          <a:p>
+            <a:r>
+              <a:rPr lang="en-US" sz="1000" b="1" dirty="0"/>
+              <a:t>    {</a:t>
+            </a:r>
+          </a:p>
+          <a:p>
+            <a:r>
+              <a:rPr lang="en-US" sz="1000" b="1" dirty="0"/>
+              <a:t>       System.out.println("hello");</a:t>
+            </a:r>
+          </a:p>
+          <a:p>
+            <a:r>
+              <a:rPr lang="en-US" sz="1000" b="1" dirty="0"/>
+              <a:t>    </a:t>
+            </a:r>
+            <a:r>
+              <a:rPr lang="en-US" sz="1000" b="1" dirty="0" smtClean="0"/>
+              <a:t>}</a:t>
+            </a:r>
+          </a:p>
+          <a:p>
+            <a:r>
+              <a:rPr lang="en-US" sz="1000" dirty="0" smtClean="0"/>
+              <a:t>}</a:t>
+            </a:r>
+          </a:p>
+          <a:p>
+            <a:r>
+              <a:rPr lang="en-US" sz="1000" dirty="0" smtClean="0"/>
+              <a:t>public class StudentMyPack1Test</a:t>
+            </a:r>
+            <a:endParaRPr lang="en-US" sz="1000" dirty="0"/>
+          </a:p>
+        </p:txBody>
+      </p:sp>
+      <p:sp>
+        <p:nvSpPr>
+          <p:cNvPr id="17" name="Rounded Rectangle 16"/>
+          <p:cNvSpPr/>
+          <p:nvPr/>
+        </p:nvSpPr>
+        <p:spPr>
+          <a:xfrm>
+            <a:off x="5325080" y="1510099"/>
+            <a:ext cx="3133119" cy="1274548"/>
+          </a:xfrm>
+          <a:prstGeom prst="roundRect">
             <a:avLst/>
           </a:prstGeom>
         </p:spPr>
@@ -8239,15 +8406,18 @@
           </a:fontRef>
         </p:style>
         <p:txBody>
-          <a:bodyPr wrap="square">
-            <a:spAutoFit/>
-          </a:bodyPr>
-          <a:lstStyle/>
-          <a:p>
-            <a:pPr algn="ctr"/>
+          <a:bodyPr rtlCol="0" anchor="ctr"/>
+          <a:lstStyle/>
+          <a:p>
             <a:r>
               <a:rPr lang="en-US" sz="1200" dirty="0" smtClean="0"/>
-              <a:t>Access modifiers - class</a:t>
+              <a:t>public class PreKgStudent extends Student</a:t>
+            </a:r>
+          </a:p>
+          <a:p>
+            <a:r>
+              <a:rPr lang="en-US" sz="1200" dirty="0" smtClean="0"/>
+              <a:t>public class StudentMyPack2Test</a:t>
             </a:r>
             <a:endParaRPr lang="en-US" sz="1200" dirty="0"/>
           </a:p>
@@ -8255,16 +8425,16 @@
       </p:sp>
       <p:sp>
         <p:nvSpPr>
-          <p:cNvPr id="9" name="Rounded Rectangle 8"/>
+          <p:cNvPr id="18" name="Rectangle 17"/>
           <p:cNvSpPr/>
           <p:nvPr/>
         </p:nvSpPr>
         <p:spPr>
           <a:xfrm>
-            <a:off x="2067098" y="1510099"/>
-            <a:ext cx="2496280" cy="1274548"/>
-          </a:xfrm>
-          <a:prstGeom prst="roundRect">
+            <a:off x="2769568" y="1163596"/>
+            <a:ext cx="742832" cy="276999"/>
+          </a:xfrm>
+          <a:prstGeom prst="rect">
             <a:avLst/>
           </a:prstGeom>
         </p:spPr>
@@ -8283,83 +8453,30 @@
           </a:fontRef>
         </p:style>
         <p:txBody>
-          <a:bodyPr rtlCol="0" anchor="ctr"/>
-          <a:lstStyle/>
-          <a:p>
-            <a:r>
-              <a:rPr lang="en-US" sz="1000" dirty="0"/>
-              <a:t>p</a:t>
-            </a:r>
-            <a:r>
-              <a:rPr lang="en-US" sz="1000" dirty="0" smtClean="0"/>
-              <a:t>ublic class Student</a:t>
-            </a:r>
-          </a:p>
-          <a:p>
-            <a:r>
-              <a:rPr lang="en-US" sz="1000" dirty="0" smtClean="0"/>
-              <a:t>{</a:t>
-            </a:r>
-          </a:p>
-          <a:p>
-            <a:r>
-              <a:rPr lang="en-US" sz="1000" b="1" dirty="0" smtClean="0"/>
-              <a:t>    void </a:t>
-            </a:r>
-            <a:r>
-              <a:rPr lang="en-US" sz="1000" b="1" dirty="0"/>
-              <a:t>display()</a:t>
-            </a:r>
-          </a:p>
-          <a:p>
-            <a:r>
-              <a:rPr lang="en-US" sz="1000" b="1" dirty="0"/>
-              <a:t>    {</a:t>
-            </a:r>
-          </a:p>
-          <a:p>
-            <a:r>
-              <a:rPr lang="en-US" sz="1000" b="1" dirty="0"/>
-              <a:t>       System.out.println("hello");</a:t>
-            </a:r>
-          </a:p>
-          <a:p>
-            <a:r>
-              <a:rPr lang="en-US" sz="1000" b="1" dirty="0"/>
-              <a:t>    </a:t>
-            </a:r>
-            <a:r>
-              <a:rPr lang="en-US" sz="1000" b="1" dirty="0" smtClean="0"/>
-              <a:t>}</a:t>
-            </a:r>
-          </a:p>
-          <a:p>
-            <a:r>
-              <a:rPr lang="en-US" sz="1000" dirty="0" smtClean="0"/>
-              <a:t>}</a:t>
-            </a:r>
-          </a:p>
-          <a:p>
-            <a:r>
-              <a:rPr lang="en-US" sz="1000" dirty="0" smtClean="0"/>
-              <a:t>public class StudentMyPack1Test</a:t>
-            </a:r>
-            <a:endParaRPr lang="en-US" sz="1000" dirty="0"/>
-          </a:p>
-        </p:txBody>
-      </p:sp>
-      <p:sp>
-        <p:nvSpPr>
-          <p:cNvPr id="17" name="Rounded Rectangle 16"/>
+          <a:bodyPr wrap="none">
+            <a:spAutoFit/>
+          </a:bodyPr>
+          <a:lstStyle/>
+          <a:p>
+            <a:r>
+              <a:rPr lang="en-US" sz="1200" dirty="0"/>
+              <a:t>mypack1</a:t>
+            </a:r>
+          </a:p>
+        </p:txBody>
+      </p:sp>
+      <p:sp>
+        <p:nvSpPr>
+          <p:cNvPr id="19" name="Rectangle 18"/>
           <p:cNvSpPr/>
           <p:nvPr/>
         </p:nvSpPr>
         <p:spPr>
           <a:xfrm>
-            <a:off x="5325080" y="1510099"/>
-            <a:ext cx="3133119" cy="1274548"/>
-          </a:xfrm>
-          <a:prstGeom prst="roundRect">
+            <a:off x="6182449" y="1163596"/>
+            <a:ext cx="742832" cy="276999"/>
+          </a:xfrm>
+          <a:prstGeom prst="rect">
             <a:avLst/>
           </a:prstGeom>
         </p:spPr>
@@ -8378,95 +8495,6 @@
           </a:fontRef>
         </p:style>
         <p:txBody>
-          <a:bodyPr rtlCol="0" anchor="ctr"/>
-          <a:lstStyle/>
-          <a:p>
-            <a:r>
-              <a:rPr lang="en-US" sz="1200" dirty="0" smtClean="0"/>
-              <a:t>public class PreKgStudent extends Student</a:t>
-            </a:r>
-          </a:p>
-          <a:p>
-            <a:r>
-              <a:rPr lang="en-US" sz="1200" dirty="0" smtClean="0"/>
-              <a:t>public class StudentMyPack2Test</a:t>
-            </a:r>
-            <a:endParaRPr lang="en-US" sz="1200" dirty="0"/>
-          </a:p>
-        </p:txBody>
-      </p:sp>
-      <p:sp>
-        <p:nvSpPr>
-          <p:cNvPr id="18" name="Rectangle 17"/>
-          <p:cNvSpPr/>
-          <p:nvPr/>
-        </p:nvSpPr>
-        <p:spPr>
-          <a:xfrm>
-            <a:off x="2769568" y="1163596"/>
-            <a:ext cx="742832" cy="276999"/>
-          </a:xfrm>
-          <a:prstGeom prst="rect">
-            <a:avLst/>
-          </a:prstGeom>
-        </p:spPr>
-        <p:style>
-          <a:lnRef idx="1">
-            <a:schemeClr val="accent2"/>
-          </a:lnRef>
-          <a:fillRef idx="3">
-            <a:schemeClr val="accent2"/>
-          </a:fillRef>
-          <a:effectRef idx="2">
-            <a:schemeClr val="accent2"/>
-          </a:effectRef>
-          <a:fontRef idx="minor">
-            <a:schemeClr val="lt1"/>
-          </a:fontRef>
-        </p:style>
-        <p:txBody>
-          <a:bodyPr wrap="none">
-            <a:spAutoFit/>
-          </a:bodyPr>
-          <a:lstStyle/>
-          <a:p>
-            <a:r>
-              <a:rPr lang="en-US" sz="1200" dirty="0"/>
-              <a:t>mypack1</a:t>
-            </a:r>
-          </a:p>
-        </p:txBody>
-      </p:sp>
-      <p:sp>
-        <p:nvSpPr>
-          <p:cNvPr id="19" name="Rectangle 18"/>
-          <p:cNvSpPr/>
-          <p:nvPr/>
-        </p:nvSpPr>
-        <p:spPr>
-          <a:xfrm>
-            <a:off x="6182449" y="1163596"/>
-            <a:ext cx="742832" cy="276999"/>
-          </a:xfrm>
-          <a:prstGeom prst="rect">
-            <a:avLst/>
-          </a:prstGeom>
-        </p:spPr>
-        <p:style>
-          <a:lnRef idx="1">
-            <a:schemeClr val="accent4"/>
-          </a:lnRef>
-          <a:fillRef idx="3">
-            <a:schemeClr val="accent4"/>
-          </a:fillRef>
-          <a:effectRef idx="2">
-            <a:schemeClr val="accent4"/>
-          </a:effectRef>
-          <a:fontRef idx="minor">
-            <a:schemeClr val="lt1"/>
-          </a:fontRef>
-        </p:style>
-        <p:txBody>
           <a:bodyPr wrap="none">
             <a:spAutoFit/>
           </a:bodyPr>
@@ -8488,8 +8516,8 @@
         </p:nvCxnSpPr>
         <p:spPr>
           <a:xfrm>
-            <a:off x="3807191" y="2424499"/>
-            <a:ext cx="943878" cy="720297"/>
+            <a:off x="3657600" y="2753498"/>
+            <a:ext cx="1093469" cy="391298"/>
           </a:xfrm>
           <a:prstGeom prst="straightConnector1">
             <a:avLst/>
@@ -8751,7 +8779,19 @@
           <a:p>
             <a:r>
               <a:rPr lang="en-US" sz="1200" dirty="0"/>
-              <a:t>At the member level, you can </a:t>
+              <a:t>At the </a:t>
+            </a:r>
+            <a:r>
+              <a:rPr lang="en-US" sz="1200" b="1" dirty="0" smtClean="0"/>
+              <a:t>method</a:t>
+            </a:r>
+            <a:r>
+              <a:rPr lang="en-US" sz="1200" dirty="0" smtClean="0"/>
+              <a:t> level</a:t>
+            </a:r>
+            <a:r>
+              <a:rPr lang="en-US" sz="1200" dirty="0"/>
+              <a:t>, you can </a:t>
             </a:r>
             <a:r>
               <a:rPr lang="en-US" sz="1200" dirty="0" smtClean="0"/>
@@ -8824,8 +8864,12 @@
               <a:t>a </a:t>
             </a:r>
             <a:r>
+              <a:rPr lang="en-US" sz="1200" b="1" dirty="0" smtClean="0"/>
+              <a:t>method</a:t>
+            </a:r>
+            <a:r>
               <a:rPr lang="en-US" sz="1200" dirty="0" smtClean="0"/>
-              <a:t>member(field/method) </a:t>
+              <a:t> </a:t>
             </a:r>
             <a:r>
               <a:rPr lang="en-US" sz="1200" dirty="0" smtClean="0"/>
@@ -8847,6 +8891,54 @@
               <a:rPr lang="en-US" sz="1200" dirty="0"/>
               <a:t>), it is visible only within its own package</a:t>
             </a:r>
+          </a:p>
+        </p:txBody>
+      </p:sp>
+      <p:sp>
+        <p:nvSpPr>
+          <p:cNvPr id="22" name="Rectangle 21"/>
+          <p:cNvSpPr/>
+          <p:nvPr/>
+        </p:nvSpPr>
+        <p:spPr>
+          <a:xfrm>
+            <a:off x="3345547" y="35738"/>
+            <a:ext cx="2064653" cy="276999"/>
+          </a:xfrm>
+          <a:prstGeom prst="rect">
+            <a:avLst/>
+          </a:prstGeom>
+        </p:spPr>
+        <p:style>
+          <a:lnRef idx="1">
+            <a:schemeClr val="accent4"/>
+          </a:lnRef>
+          <a:fillRef idx="3">
+            <a:schemeClr val="accent4"/>
+          </a:fillRef>
+          <a:effectRef idx="2">
+            <a:schemeClr val="accent4"/>
+          </a:effectRef>
+          <a:fontRef idx="minor">
+            <a:schemeClr val="lt1"/>
+          </a:fontRef>
+        </p:style>
+        <p:txBody>
+          <a:bodyPr wrap="square">
+            <a:spAutoFit/>
+          </a:bodyPr>
+          <a:lstStyle/>
+          <a:p>
+            <a:pPr algn="ctr"/>
+            <a:r>
+              <a:rPr lang="en-US" sz="1200" dirty="0" smtClean="0"/>
+              <a:t>Access modifiers – </a:t>
+            </a:r>
+            <a:r>
+              <a:rPr lang="en-US" sz="1200" dirty="0" smtClean="0"/>
+              <a:t>method</a:t>
+            </a:r>
+            <a:endParaRPr lang="en-US" sz="1200" dirty="0"/>
           </a:p>
         </p:txBody>
       </p:sp>
